--- a/2024/2024-10-04-AI-Updates.pptx
+++ b/2024/2024-10-04-AI-Updates.pptx
@@ -15018,7 +15018,7 @@
                 <a:cs typeface="Calibri"/>
                 <a:sym typeface="Calibri"/>
               </a:rPr>
-              <a:t>GPT-4o Vision Finetuning on images - detection, extraction</a:t>
+              <a:t>GPT-4o Vision Fine Tuning on images - detection, extraction</a:t>
             </a:r>
             <a:br>
               <a:rPr lang="en" sz="900">
